--- a/images/Figures.pptx
+++ b/images/Figures.pptx
@@ -7,6 +7,7 @@
   <p:sldIdLst>
     <p:sldId id="256" r:id="rId2"/>
     <p:sldId id="257" r:id="rId3"/>
+    <p:sldId id="258" r:id="rId4"/>
   </p:sldIdLst>
   <p:sldSz cx="6858000" cy="12192000"/>
   <p:notesSz cx="6858000" cy="9144000"/>
@@ -105,6 +106,11 @@
       </a:defRPr>
     </a:lvl9pPr>
   </p:defaultTextStyle>
+  <p:extLst>
+    <p:ext uri="{EFAFB233-063F-42B5-8137-9DF3F51BA10A}">
+      <p15:sldGuideLst xmlns:p15="http://schemas.microsoft.com/office/powerpoint/2012/main"/>
+    </p:ext>
+  </p:extLst>
 </p:presentation>
 </file>
 
@@ -239,7 +245,7 @@
           <a:p>
             <a:fld id="{C375E19B-8F1B-4AE1-B094-1FE628C6B0DE}" type="datetimeFigureOut">
               <a:rPr lang="en-US" smtClean="0"/>
-              <a:t>8/24/2021</a:t>
+              <a:t>8/25/2021</a:t>
             </a:fld>
             <a:endParaRPr lang="en-US"/>
           </a:p>
@@ -409,7 +415,7 @@
           <a:p>
             <a:fld id="{C375E19B-8F1B-4AE1-B094-1FE628C6B0DE}" type="datetimeFigureOut">
               <a:rPr lang="en-US" smtClean="0"/>
-              <a:t>8/24/2021</a:t>
+              <a:t>8/25/2021</a:t>
             </a:fld>
             <a:endParaRPr lang="en-US"/>
           </a:p>
@@ -589,7 +595,7 @@
           <a:p>
             <a:fld id="{C375E19B-8F1B-4AE1-B094-1FE628C6B0DE}" type="datetimeFigureOut">
               <a:rPr lang="en-US" smtClean="0"/>
-              <a:t>8/24/2021</a:t>
+              <a:t>8/25/2021</a:t>
             </a:fld>
             <a:endParaRPr lang="en-US"/>
           </a:p>
@@ -759,7 +765,7 @@
           <a:p>
             <a:fld id="{C375E19B-8F1B-4AE1-B094-1FE628C6B0DE}" type="datetimeFigureOut">
               <a:rPr lang="en-US" smtClean="0"/>
-              <a:t>8/24/2021</a:t>
+              <a:t>8/25/2021</a:t>
             </a:fld>
             <a:endParaRPr lang="en-US"/>
           </a:p>
@@ -1003,7 +1009,7 @@
           <a:p>
             <a:fld id="{C375E19B-8F1B-4AE1-B094-1FE628C6B0DE}" type="datetimeFigureOut">
               <a:rPr lang="en-US" smtClean="0"/>
-              <a:t>8/24/2021</a:t>
+              <a:t>8/25/2021</a:t>
             </a:fld>
             <a:endParaRPr lang="en-US"/>
           </a:p>
@@ -1235,7 +1241,7 @@
           <a:p>
             <a:fld id="{C375E19B-8F1B-4AE1-B094-1FE628C6B0DE}" type="datetimeFigureOut">
               <a:rPr lang="en-US" smtClean="0"/>
-              <a:t>8/24/2021</a:t>
+              <a:t>8/25/2021</a:t>
             </a:fld>
             <a:endParaRPr lang="en-US"/>
           </a:p>
@@ -1602,7 +1608,7 @@
           <a:p>
             <a:fld id="{C375E19B-8F1B-4AE1-B094-1FE628C6B0DE}" type="datetimeFigureOut">
               <a:rPr lang="en-US" smtClean="0"/>
-              <a:t>8/24/2021</a:t>
+              <a:t>8/25/2021</a:t>
             </a:fld>
             <a:endParaRPr lang="en-US"/>
           </a:p>
@@ -1720,7 +1726,7 @@
           <a:p>
             <a:fld id="{C375E19B-8F1B-4AE1-B094-1FE628C6B0DE}" type="datetimeFigureOut">
               <a:rPr lang="en-US" smtClean="0"/>
-              <a:t>8/24/2021</a:t>
+              <a:t>8/25/2021</a:t>
             </a:fld>
             <a:endParaRPr lang="en-US"/>
           </a:p>
@@ -1815,7 +1821,7 @@
           <a:p>
             <a:fld id="{C375E19B-8F1B-4AE1-B094-1FE628C6B0DE}" type="datetimeFigureOut">
               <a:rPr lang="en-US" smtClean="0"/>
-              <a:t>8/24/2021</a:t>
+              <a:t>8/25/2021</a:t>
             </a:fld>
             <a:endParaRPr lang="en-US"/>
           </a:p>
@@ -2092,7 +2098,7 @@
           <a:p>
             <a:fld id="{C375E19B-8F1B-4AE1-B094-1FE628C6B0DE}" type="datetimeFigureOut">
               <a:rPr lang="en-US" smtClean="0"/>
-              <a:t>8/24/2021</a:t>
+              <a:t>8/25/2021</a:t>
             </a:fld>
             <a:endParaRPr lang="en-US"/>
           </a:p>
@@ -2349,7 +2355,7 @@
           <a:p>
             <a:fld id="{C375E19B-8F1B-4AE1-B094-1FE628C6B0DE}" type="datetimeFigureOut">
               <a:rPr lang="en-US" smtClean="0"/>
-              <a:t>8/24/2021</a:t>
+              <a:t>8/25/2021</a:t>
             </a:fld>
             <a:endParaRPr lang="en-US"/>
           </a:p>
@@ -2562,7 +2568,7 @@
           <a:p>
             <a:fld id="{C375E19B-8F1B-4AE1-B094-1FE628C6B0DE}" type="datetimeFigureOut">
               <a:rPr lang="en-US" smtClean="0"/>
-              <a:t>8/24/2021</a:t>
+              <a:t>8/25/2021</a:t>
             </a:fld>
             <a:endParaRPr lang="en-US"/>
           </a:p>
@@ -3168,6 +3174,426 @@
 </p:sld>
 </file>
 
+<file path=ppt/slides/slide3.xml><?xml version="1.0" encoding="utf-8"?>
+<p:sld xmlns:a="http://schemas.openxmlformats.org/drawingml/2006/main" xmlns:r="http://schemas.openxmlformats.org/officeDocument/2006/relationships" xmlns:p="http://schemas.openxmlformats.org/presentationml/2006/main">
+  <p:cSld>
+    <p:spTree>
+      <p:nvGrpSpPr>
+        <p:cNvPr id="1" name=""/>
+        <p:cNvGrpSpPr/>
+        <p:nvPr/>
+      </p:nvGrpSpPr>
+      <p:grpSpPr>
+        <a:xfrm>
+          <a:off x="0" y="0"/>
+          <a:ext cx="0" cy="0"/>
+          <a:chOff x="0" y="0"/>
+          <a:chExt cx="0" cy="0"/>
+        </a:xfrm>
+      </p:grpSpPr>
+      <p:pic>
+        <p:nvPicPr>
+          <p:cNvPr id="17" name="Picture 16" descr="Chart, scatter chart&#10;&#10;Description automatically generated">
+            <a:extLst>
+              <a:ext uri="{FF2B5EF4-FFF2-40B4-BE49-F238E27FC236}">
+                <a16:creationId xmlns:a16="http://schemas.microsoft.com/office/drawing/2014/main" id="{90B49C8F-01B0-4E96-A30C-AC9B4FB6BEEA}"/>
+              </a:ext>
+            </a:extLst>
+          </p:cNvPr>
+          <p:cNvPicPr>
+            <a:picLocks noChangeAspect="1"/>
+          </p:cNvPicPr>
+          <p:nvPr/>
+        </p:nvPicPr>
+        <p:blipFill>
+          <a:blip r:embed="rId2"/>
+          <a:stretch>
+            <a:fillRect/>
+          </a:stretch>
+        </p:blipFill>
+        <p:spPr>
+          <a:xfrm>
+            <a:off x="478396" y="519566"/>
+            <a:ext cx="2944399" cy="2355519"/>
+          </a:xfrm>
+          <a:prstGeom prst="rect">
+            <a:avLst/>
+          </a:prstGeom>
+        </p:spPr>
+      </p:pic>
+      <p:pic>
+        <p:nvPicPr>
+          <p:cNvPr id="19" name="Picture 18" descr="Chart, scatter chart&#10;&#10;Description automatically generated">
+            <a:extLst>
+              <a:ext uri="{FF2B5EF4-FFF2-40B4-BE49-F238E27FC236}">
+                <a16:creationId xmlns:a16="http://schemas.microsoft.com/office/drawing/2014/main" id="{E95741D1-3629-442D-8803-79DE12364A34}"/>
+              </a:ext>
+            </a:extLst>
+          </p:cNvPr>
+          <p:cNvPicPr>
+            <a:picLocks noChangeAspect="1"/>
+          </p:cNvPicPr>
+          <p:nvPr/>
+        </p:nvPicPr>
+        <p:blipFill>
+          <a:blip r:embed="rId3"/>
+          <a:stretch>
+            <a:fillRect/>
+          </a:stretch>
+        </p:blipFill>
+        <p:spPr>
+          <a:xfrm>
+            <a:off x="3740665" y="544967"/>
+            <a:ext cx="2880899" cy="2304719"/>
+          </a:xfrm>
+          <a:prstGeom prst="rect">
+            <a:avLst/>
+          </a:prstGeom>
+        </p:spPr>
+      </p:pic>
+      <p:pic>
+        <p:nvPicPr>
+          <p:cNvPr id="21" name="Picture 20" descr="Chart, histogram&#10;&#10;Description automatically generated">
+            <a:extLst>
+              <a:ext uri="{FF2B5EF4-FFF2-40B4-BE49-F238E27FC236}">
+                <a16:creationId xmlns:a16="http://schemas.microsoft.com/office/drawing/2014/main" id="{92E6E840-52C9-4BB9-8148-C07A95CB34CA}"/>
+              </a:ext>
+            </a:extLst>
+          </p:cNvPr>
+          <p:cNvPicPr>
+            <a:picLocks noChangeAspect="1"/>
+          </p:cNvPicPr>
+          <p:nvPr/>
+        </p:nvPicPr>
+        <p:blipFill>
+          <a:blip r:embed="rId4"/>
+          <a:stretch>
+            <a:fillRect/>
+          </a:stretch>
+        </p:blipFill>
+        <p:spPr>
+          <a:xfrm>
+            <a:off x="478396" y="2849686"/>
+            <a:ext cx="2944400" cy="2355520"/>
+          </a:xfrm>
+          <a:prstGeom prst="rect">
+            <a:avLst/>
+          </a:prstGeom>
+        </p:spPr>
+      </p:pic>
+      <p:pic>
+        <p:nvPicPr>
+          <p:cNvPr id="23" name="Picture 22" descr="Chart&#10;&#10;Description automatically generated">
+            <a:extLst>
+              <a:ext uri="{FF2B5EF4-FFF2-40B4-BE49-F238E27FC236}">
+                <a16:creationId xmlns:a16="http://schemas.microsoft.com/office/drawing/2014/main" id="{B766C900-F8B2-44BA-938B-5C765FAEABB2}"/>
+              </a:ext>
+            </a:extLst>
+          </p:cNvPr>
+          <p:cNvPicPr>
+            <a:picLocks noChangeAspect="1"/>
+          </p:cNvPicPr>
+          <p:nvPr/>
+        </p:nvPicPr>
+        <p:blipFill>
+          <a:blip r:embed="rId5"/>
+          <a:stretch>
+            <a:fillRect/>
+          </a:stretch>
+        </p:blipFill>
+        <p:spPr>
+          <a:xfrm>
+            <a:off x="3677164" y="2849686"/>
+            <a:ext cx="2944400" cy="2355520"/>
+          </a:xfrm>
+          <a:prstGeom prst="rect">
+            <a:avLst/>
+          </a:prstGeom>
+        </p:spPr>
+      </p:pic>
+      <p:sp>
+        <p:nvSpPr>
+          <p:cNvPr id="24" name="TextBox 23">
+            <a:extLst>
+              <a:ext uri="{FF2B5EF4-FFF2-40B4-BE49-F238E27FC236}">
+                <a16:creationId xmlns:a16="http://schemas.microsoft.com/office/drawing/2014/main" id="{19CFDAE5-7018-42AF-8F42-33EC5E35B7AC}"/>
+              </a:ext>
+            </a:extLst>
+          </p:cNvPr>
+          <p:cNvSpPr txBox="1"/>
+          <p:nvPr/>
+        </p:nvSpPr>
+        <p:spPr>
+          <a:xfrm>
+            <a:off x="135859" y="249361"/>
+            <a:ext cx="376770" cy="369332"/>
+          </a:xfrm>
+          <a:prstGeom prst="rect">
+            <a:avLst/>
+          </a:prstGeom>
+          <a:noFill/>
+        </p:spPr>
+        <p:txBody>
+          <a:bodyPr wrap="none" rtlCol="0">
+            <a:spAutoFit/>
+          </a:bodyPr>
+          <a:lstStyle/>
+          <a:p>
+            <a:r>
+              <a:rPr lang="en-US" dirty="0"/>
+              <a:t>A.</a:t>
+            </a:r>
+          </a:p>
+        </p:txBody>
+      </p:sp>
+      <p:sp>
+        <p:nvSpPr>
+          <p:cNvPr id="25" name="TextBox 24">
+            <a:extLst>
+              <a:ext uri="{FF2B5EF4-FFF2-40B4-BE49-F238E27FC236}">
+                <a16:creationId xmlns:a16="http://schemas.microsoft.com/office/drawing/2014/main" id="{E9993543-4C49-497F-B3FB-763DC030E338}"/>
+              </a:ext>
+            </a:extLst>
+          </p:cNvPr>
+          <p:cNvSpPr txBox="1"/>
+          <p:nvPr/>
+        </p:nvSpPr>
+        <p:spPr>
+          <a:xfrm>
+            <a:off x="3432569" y="249361"/>
+            <a:ext cx="376770" cy="369332"/>
+          </a:xfrm>
+          <a:prstGeom prst="rect">
+            <a:avLst/>
+          </a:prstGeom>
+          <a:noFill/>
+        </p:spPr>
+        <p:txBody>
+          <a:bodyPr wrap="none" rtlCol="0">
+            <a:spAutoFit/>
+          </a:bodyPr>
+          <a:lstStyle/>
+          <a:p>
+            <a:r>
+              <a:rPr lang="en-US" dirty="0"/>
+              <a:t>B.</a:t>
+            </a:r>
+          </a:p>
+        </p:txBody>
+      </p:sp>
+      <p:sp>
+        <p:nvSpPr>
+          <p:cNvPr id="26" name="TextBox 25">
+            <a:extLst>
+              <a:ext uri="{FF2B5EF4-FFF2-40B4-BE49-F238E27FC236}">
+                <a16:creationId xmlns:a16="http://schemas.microsoft.com/office/drawing/2014/main" id="{1C5DBB1A-E836-4AC7-82F6-71F4847C8D0A}"/>
+              </a:ext>
+            </a:extLst>
+          </p:cNvPr>
+          <p:cNvSpPr txBox="1"/>
+          <p:nvPr/>
+        </p:nvSpPr>
+        <p:spPr>
+          <a:xfrm>
+            <a:off x="101626" y="2849686"/>
+            <a:ext cx="376770" cy="369332"/>
+          </a:xfrm>
+          <a:prstGeom prst="rect">
+            <a:avLst/>
+          </a:prstGeom>
+          <a:noFill/>
+        </p:spPr>
+        <p:txBody>
+          <a:bodyPr wrap="none" rtlCol="0">
+            <a:spAutoFit/>
+          </a:bodyPr>
+          <a:lstStyle/>
+          <a:p>
+            <a:r>
+              <a:rPr lang="en-US" dirty="0"/>
+              <a:t>C.</a:t>
+            </a:r>
+          </a:p>
+        </p:txBody>
+      </p:sp>
+      <p:sp>
+        <p:nvSpPr>
+          <p:cNvPr id="27" name="TextBox 26">
+            <a:extLst>
+              <a:ext uri="{FF2B5EF4-FFF2-40B4-BE49-F238E27FC236}">
+                <a16:creationId xmlns:a16="http://schemas.microsoft.com/office/drawing/2014/main" id="{BB95DA69-2F61-499A-B64B-5A318FA9625D}"/>
+              </a:ext>
+            </a:extLst>
+          </p:cNvPr>
+          <p:cNvSpPr txBox="1"/>
+          <p:nvPr/>
+        </p:nvSpPr>
+        <p:spPr>
+          <a:xfrm>
+            <a:off x="3429000" y="2849686"/>
+            <a:ext cx="376770" cy="369332"/>
+          </a:xfrm>
+          <a:prstGeom prst="rect">
+            <a:avLst/>
+          </a:prstGeom>
+          <a:noFill/>
+        </p:spPr>
+        <p:txBody>
+          <a:bodyPr wrap="none" rtlCol="0">
+            <a:spAutoFit/>
+          </a:bodyPr>
+          <a:lstStyle/>
+          <a:p>
+            <a:r>
+              <a:rPr lang="en-US" dirty="0"/>
+              <a:t>D.</a:t>
+            </a:r>
+          </a:p>
+        </p:txBody>
+      </p:sp>
+      <p:pic>
+        <p:nvPicPr>
+          <p:cNvPr id="28" name="Picture 27" descr="Chart, scatter chart&#10;&#10;Description automatically generated">
+            <a:extLst>
+              <a:ext uri="{FF2B5EF4-FFF2-40B4-BE49-F238E27FC236}">
+                <a16:creationId xmlns:a16="http://schemas.microsoft.com/office/drawing/2014/main" id="{C5D7F6F1-120E-4325-BF91-570ACA63607D}"/>
+              </a:ext>
+            </a:extLst>
+          </p:cNvPr>
+          <p:cNvPicPr>
+            <a:picLocks noChangeAspect="1"/>
+          </p:cNvPicPr>
+          <p:nvPr/>
+        </p:nvPicPr>
+        <p:blipFill>
+          <a:blip r:embed="rId3"/>
+          <a:stretch>
+            <a:fillRect/>
+          </a:stretch>
+        </p:blipFill>
+        <p:spPr>
+          <a:xfrm>
+            <a:off x="343412" y="6360239"/>
+            <a:ext cx="2614101" cy="2091280"/>
+          </a:xfrm>
+          <a:prstGeom prst="rect">
+            <a:avLst/>
+          </a:prstGeom>
+        </p:spPr>
+      </p:pic>
+      <p:pic>
+        <p:nvPicPr>
+          <p:cNvPr id="29" name="Picture 28" descr="Chart&#10;&#10;Description automatically generated">
+            <a:extLst>
+              <a:ext uri="{FF2B5EF4-FFF2-40B4-BE49-F238E27FC236}">
+                <a16:creationId xmlns:a16="http://schemas.microsoft.com/office/drawing/2014/main" id="{E334AAB9-16D8-4B4F-9651-BB325A850453}"/>
+              </a:ext>
+            </a:extLst>
+          </p:cNvPr>
+          <p:cNvPicPr>
+            <a:picLocks noChangeAspect="1"/>
+          </p:cNvPicPr>
+          <p:nvPr/>
+        </p:nvPicPr>
+        <p:blipFill>
+          <a:blip r:embed="rId5"/>
+          <a:stretch>
+            <a:fillRect/>
+          </a:stretch>
+        </p:blipFill>
+        <p:spPr>
+          <a:xfrm>
+            <a:off x="3232545" y="6360238"/>
+            <a:ext cx="2614102" cy="2091282"/>
+          </a:xfrm>
+          <a:prstGeom prst="rect">
+            <a:avLst/>
+          </a:prstGeom>
+        </p:spPr>
+      </p:pic>
+      <p:sp>
+        <p:nvSpPr>
+          <p:cNvPr id="30" name="TextBox 29">
+            <a:extLst>
+              <a:ext uri="{FF2B5EF4-FFF2-40B4-BE49-F238E27FC236}">
+                <a16:creationId xmlns:a16="http://schemas.microsoft.com/office/drawing/2014/main" id="{E7FE9604-E257-499D-98F9-A85977286F5B}"/>
+              </a:ext>
+            </a:extLst>
+          </p:cNvPr>
+          <p:cNvSpPr txBox="1"/>
+          <p:nvPr/>
+        </p:nvSpPr>
+        <p:spPr>
+          <a:xfrm>
+            <a:off x="15703" y="6546770"/>
+            <a:ext cx="376770" cy="369332"/>
+          </a:xfrm>
+          <a:prstGeom prst="rect">
+            <a:avLst/>
+          </a:prstGeom>
+          <a:noFill/>
+        </p:spPr>
+        <p:txBody>
+          <a:bodyPr wrap="none" rtlCol="0">
+            <a:spAutoFit/>
+          </a:bodyPr>
+          <a:lstStyle/>
+          <a:p>
+            <a:r>
+              <a:rPr lang="en-US" dirty="0"/>
+              <a:t>A.</a:t>
+            </a:r>
+          </a:p>
+        </p:txBody>
+      </p:sp>
+      <p:sp>
+        <p:nvSpPr>
+          <p:cNvPr id="31" name="TextBox 30">
+            <a:extLst>
+              <a:ext uri="{FF2B5EF4-FFF2-40B4-BE49-F238E27FC236}">
+                <a16:creationId xmlns:a16="http://schemas.microsoft.com/office/drawing/2014/main" id="{10C18ED8-44BE-423B-9C32-3F95CD239C0C}"/>
+              </a:ext>
+            </a:extLst>
+          </p:cNvPr>
+          <p:cNvSpPr txBox="1"/>
+          <p:nvPr/>
+        </p:nvSpPr>
+        <p:spPr>
+          <a:xfrm>
+            <a:off x="2976681" y="6546770"/>
+            <a:ext cx="376770" cy="369332"/>
+          </a:xfrm>
+          <a:prstGeom prst="rect">
+            <a:avLst/>
+          </a:prstGeom>
+          <a:noFill/>
+        </p:spPr>
+        <p:txBody>
+          <a:bodyPr wrap="none" rtlCol="0">
+            <a:spAutoFit/>
+          </a:bodyPr>
+          <a:lstStyle/>
+          <a:p>
+            <a:r>
+              <a:rPr lang="en-US" dirty="0"/>
+              <a:t>B.</a:t>
+            </a:r>
+          </a:p>
+        </p:txBody>
+      </p:sp>
+    </p:spTree>
+    <p:extLst>
+      <p:ext uri="{BB962C8B-B14F-4D97-AF65-F5344CB8AC3E}">
+        <p14:creationId xmlns:p14="http://schemas.microsoft.com/office/powerpoint/2010/main" val="4240441434"/>
+      </p:ext>
+    </p:extLst>
+  </p:cSld>
+  <p:clrMapOvr>
+    <a:masterClrMapping/>
+  </p:clrMapOvr>
+</p:sld>
+</file>
+
 <file path=ppt/theme/theme1.xml><?xml version="1.0" encoding="utf-8"?>
 <a:theme xmlns:a="http://schemas.openxmlformats.org/drawingml/2006/main" name="Office Theme">
   <a:themeElements>
